--- a/ppt 16-9/0280.震撼.pptx
+++ b/ppt 16-9/0280.震撼.pptx
@@ -5,7 +5,7 @@
     <p:sldMasterId id="2147483648" r:id="rId1"/>
   </p:sldMasterIdLst>
   <p:sldIdLst>
-    <p:sldId id="3144" r:id="rId2"/>
+    <p:sldId id="3145" r:id="rId2"/>
   </p:sldIdLst>
   <p:sldSz cx="12192000" cy="6858000"/>
   <p:notesSz cx="6858000" cy="9144000"/>
@@ -129,7 +129,7 @@
           <p:cNvPr id="2" name="标题 1">
             <a:extLst>
               <a:ext uri="{FF2B5EF4-FFF2-40B4-BE49-F238E27FC236}">
-                <a16:creationId xmlns:a16="http://schemas.microsoft.com/office/drawing/2014/main" id="{52F12804-817D-5630-FB43-B4B09878D200}"/>
+                <a16:creationId xmlns:a16="http://schemas.microsoft.com/office/drawing/2014/main" id="{4869FB6B-1410-88D0-4493-F3A3AF7C7F33}"/>
               </a:ext>
             </a:extLst>
           </p:cNvPr>
@@ -166,7 +166,7 @@
           <p:cNvPr id="3" name="副标题 2">
             <a:extLst>
               <a:ext uri="{FF2B5EF4-FFF2-40B4-BE49-F238E27FC236}">
-                <a16:creationId xmlns:a16="http://schemas.microsoft.com/office/drawing/2014/main" id="{598D2040-0EC1-98A8-3EAD-D03111572D20}"/>
+                <a16:creationId xmlns:a16="http://schemas.microsoft.com/office/drawing/2014/main" id="{47EF04FC-1F7E-A87A-E26F-D520B58B05AD}"/>
               </a:ext>
             </a:extLst>
           </p:cNvPr>
@@ -236,7 +236,7 @@
           <p:cNvPr id="4" name="日期占位符 3">
             <a:extLst>
               <a:ext uri="{FF2B5EF4-FFF2-40B4-BE49-F238E27FC236}">
-                <a16:creationId xmlns:a16="http://schemas.microsoft.com/office/drawing/2014/main" id="{931CE357-5AF3-88D5-D6F5-397CD2A29907}"/>
+                <a16:creationId xmlns:a16="http://schemas.microsoft.com/office/drawing/2014/main" id="{26038F1A-A89D-AACF-A849-F58D1B803B52}"/>
               </a:ext>
             </a:extLst>
           </p:cNvPr>
@@ -252,7 +252,7 @@
           <a:bodyPr/>
           <a:lstStyle/>
           <a:p>
-            <a:fld id="{4AFD84E5-5E66-42E3-BE7F-5CCB2A584A33}" type="datetimeFigureOut">
+            <a:fld id="{0C4D6742-1DA2-415B-ADC5-1118861B27E3}" type="datetimeFigureOut">
               <a:rPr lang="zh-CN" altLang="en-US" smtClean="0"/>
               <a:t>2024/3/10</a:t>
             </a:fld>
@@ -265,7 +265,7 @@
           <p:cNvPr id="5" name="页脚占位符 4">
             <a:extLst>
               <a:ext uri="{FF2B5EF4-FFF2-40B4-BE49-F238E27FC236}">
-                <a16:creationId xmlns:a16="http://schemas.microsoft.com/office/drawing/2014/main" id="{0DB29AB9-89DC-0D20-3AEC-BE6EA5BC8461}"/>
+                <a16:creationId xmlns:a16="http://schemas.microsoft.com/office/drawing/2014/main" id="{CA855718-9DE6-8B1D-740A-1C53EC9F0C79}"/>
               </a:ext>
             </a:extLst>
           </p:cNvPr>
@@ -290,7 +290,7 @@
           <p:cNvPr id="6" name="灯片编号占位符 5">
             <a:extLst>
               <a:ext uri="{FF2B5EF4-FFF2-40B4-BE49-F238E27FC236}">
-                <a16:creationId xmlns:a16="http://schemas.microsoft.com/office/drawing/2014/main" id="{6C5E3D11-1B66-8FFF-59B9-544437F78560}"/>
+                <a16:creationId xmlns:a16="http://schemas.microsoft.com/office/drawing/2014/main" id="{A0B91CD2-0700-ACBD-839D-1DA930A187ED}"/>
               </a:ext>
             </a:extLst>
           </p:cNvPr>
@@ -306,7 +306,7 @@
           <a:bodyPr/>
           <a:lstStyle/>
           <a:p>
-            <a:fld id="{24E5E537-E835-42A9-ABB3-2CC209BF9393}" type="slidenum">
+            <a:fld id="{14C164E9-D320-4484-B20A-F366CAC63DB5}" type="slidenum">
               <a:rPr lang="zh-CN" altLang="en-US" smtClean="0"/>
               <a:t>‹#›</a:t>
             </a:fld>
@@ -317,7 +317,7 @@
     </p:spTree>
     <p:extLst>
       <p:ext uri="{BB962C8B-B14F-4D97-AF65-F5344CB8AC3E}">
-        <p14:creationId xmlns:p14="http://schemas.microsoft.com/office/powerpoint/2010/main" val="1067940963"/>
+        <p14:creationId xmlns:p14="http://schemas.microsoft.com/office/powerpoint/2010/main" val="954474587"/>
       </p:ext>
     </p:extLst>
   </p:cSld>
@@ -349,7 +349,7 @@
           <p:cNvPr id="2" name="标题 1">
             <a:extLst>
               <a:ext uri="{FF2B5EF4-FFF2-40B4-BE49-F238E27FC236}">
-                <a16:creationId xmlns:a16="http://schemas.microsoft.com/office/drawing/2014/main" id="{21AFB5DF-468B-B4CA-F88E-C2E8D38F3958}"/>
+                <a16:creationId xmlns:a16="http://schemas.microsoft.com/office/drawing/2014/main" id="{486ECA21-7477-9F40-8510-CC6DC2D4A0B4}"/>
               </a:ext>
             </a:extLst>
           </p:cNvPr>
@@ -377,7 +377,7 @@
           <p:cNvPr id="3" name="竖排文字占位符 2">
             <a:extLst>
               <a:ext uri="{FF2B5EF4-FFF2-40B4-BE49-F238E27FC236}">
-                <a16:creationId xmlns:a16="http://schemas.microsoft.com/office/drawing/2014/main" id="{AD196D78-2855-D05F-A351-4EB8774E3553}"/>
+                <a16:creationId xmlns:a16="http://schemas.microsoft.com/office/drawing/2014/main" id="{F6835246-6BA3-513C-9BB2-72032EA5D215}"/>
               </a:ext>
             </a:extLst>
           </p:cNvPr>
@@ -434,7 +434,7 @@
           <p:cNvPr id="4" name="日期占位符 3">
             <a:extLst>
               <a:ext uri="{FF2B5EF4-FFF2-40B4-BE49-F238E27FC236}">
-                <a16:creationId xmlns:a16="http://schemas.microsoft.com/office/drawing/2014/main" id="{CCABD85C-A53F-D9A6-041E-A5F326961DBA}"/>
+                <a16:creationId xmlns:a16="http://schemas.microsoft.com/office/drawing/2014/main" id="{4FD8EB0E-D6DF-0076-E88B-7030C2CA4E61}"/>
               </a:ext>
             </a:extLst>
           </p:cNvPr>
@@ -450,7 +450,7 @@
           <a:bodyPr/>
           <a:lstStyle/>
           <a:p>
-            <a:fld id="{4AFD84E5-5E66-42E3-BE7F-5CCB2A584A33}" type="datetimeFigureOut">
+            <a:fld id="{0C4D6742-1DA2-415B-ADC5-1118861B27E3}" type="datetimeFigureOut">
               <a:rPr lang="zh-CN" altLang="en-US" smtClean="0"/>
               <a:t>2024/3/10</a:t>
             </a:fld>
@@ -463,7 +463,7 @@
           <p:cNvPr id="5" name="页脚占位符 4">
             <a:extLst>
               <a:ext uri="{FF2B5EF4-FFF2-40B4-BE49-F238E27FC236}">
-                <a16:creationId xmlns:a16="http://schemas.microsoft.com/office/drawing/2014/main" id="{950AED04-EA30-6633-7E98-5FB14263A58D}"/>
+                <a16:creationId xmlns:a16="http://schemas.microsoft.com/office/drawing/2014/main" id="{B1CC67C6-4602-E8B5-DC5A-0A9E78E2E783}"/>
               </a:ext>
             </a:extLst>
           </p:cNvPr>
@@ -488,7 +488,7 @@
           <p:cNvPr id="6" name="灯片编号占位符 5">
             <a:extLst>
               <a:ext uri="{FF2B5EF4-FFF2-40B4-BE49-F238E27FC236}">
-                <a16:creationId xmlns:a16="http://schemas.microsoft.com/office/drawing/2014/main" id="{5E58493C-0ABC-E6F7-4419-E480BFC5DE4F}"/>
+                <a16:creationId xmlns:a16="http://schemas.microsoft.com/office/drawing/2014/main" id="{D89567B3-ED60-203C-C4FA-08161A334485}"/>
               </a:ext>
             </a:extLst>
           </p:cNvPr>
@@ -504,7 +504,7 @@
           <a:bodyPr/>
           <a:lstStyle/>
           <a:p>
-            <a:fld id="{24E5E537-E835-42A9-ABB3-2CC209BF9393}" type="slidenum">
+            <a:fld id="{14C164E9-D320-4484-B20A-F366CAC63DB5}" type="slidenum">
               <a:rPr lang="zh-CN" altLang="en-US" smtClean="0"/>
               <a:t>‹#›</a:t>
             </a:fld>
@@ -515,7 +515,7 @@
     </p:spTree>
     <p:extLst>
       <p:ext uri="{BB962C8B-B14F-4D97-AF65-F5344CB8AC3E}">
-        <p14:creationId xmlns:p14="http://schemas.microsoft.com/office/powerpoint/2010/main" val="3789499982"/>
+        <p14:creationId xmlns:p14="http://schemas.microsoft.com/office/powerpoint/2010/main" val="1409443140"/>
       </p:ext>
     </p:extLst>
   </p:cSld>
@@ -547,7 +547,7 @@
           <p:cNvPr id="2" name="竖排标题 1">
             <a:extLst>
               <a:ext uri="{FF2B5EF4-FFF2-40B4-BE49-F238E27FC236}">
-                <a16:creationId xmlns:a16="http://schemas.microsoft.com/office/drawing/2014/main" id="{AD3E2168-9AAE-2206-55C3-413064995DD5}"/>
+                <a16:creationId xmlns:a16="http://schemas.microsoft.com/office/drawing/2014/main" id="{754D237A-1BE5-C826-C9A0-8489056A119E}"/>
               </a:ext>
             </a:extLst>
           </p:cNvPr>
@@ -580,7 +580,7 @@
           <p:cNvPr id="3" name="竖排文字占位符 2">
             <a:extLst>
               <a:ext uri="{FF2B5EF4-FFF2-40B4-BE49-F238E27FC236}">
-                <a16:creationId xmlns:a16="http://schemas.microsoft.com/office/drawing/2014/main" id="{3C1779EF-F614-7B75-E20B-2F0296DE15A2}"/>
+                <a16:creationId xmlns:a16="http://schemas.microsoft.com/office/drawing/2014/main" id="{74C49ABE-68F7-C36F-0D70-8EF21625C690}"/>
               </a:ext>
             </a:extLst>
           </p:cNvPr>
@@ -642,7 +642,7 @@
           <p:cNvPr id="4" name="日期占位符 3">
             <a:extLst>
               <a:ext uri="{FF2B5EF4-FFF2-40B4-BE49-F238E27FC236}">
-                <a16:creationId xmlns:a16="http://schemas.microsoft.com/office/drawing/2014/main" id="{90A0BB6F-5B1C-31F0-1D97-CBD025D80D7F}"/>
+                <a16:creationId xmlns:a16="http://schemas.microsoft.com/office/drawing/2014/main" id="{36B9C584-263F-3F62-6A41-E73828BAF950}"/>
               </a:ext>
             </a:extLst>
           </p:cNvPr>
@@ -658,7 +658,7 @@
           <a:bodyPr/>
           <a:lstStyle/>
           <a:p>
-            <a:fld id="{4AFD84E5-5E66-42E3-BE7F-5CCB2A584A33}" type="datetimeFigureOut">
+            <a:fld id="{0C4D6742-1DA2-415B-ADC5-1118861B27E3}" type="datetimeFigureOut">
               <a:rPr lang="zh-CN" altLang="en-US" smtClean="0"/>
               <a:t>2024/3/10</a:t>
             </a:fld>
@@ -671,7 +671,7 @@
           <p:cNvPr id="5" name="页脚占位符 4">
             <a:extLst>
               <a:ext uri="{FF2B5EF4-FFF2-40B4-BE49-F238E27FC236}">
-                <a16:creationId xmlns:a16="http://schemas.microsoft.com/office/drawing/2014/main" id="{E89F0E9D-AC8B-2C55-C386-2169E71336F1}"/>
+                <a16:creationId xmlns:a16="http://schemas.microsoft.com/office/drawing/2014/main" id="{9DD5A536-A8B6-B4A8-DEAF-E73FABB86A47}"/>
               </a:ext>
             </a:extLst>
           </p:cNvPr>
@@ -696,7 +696,7 @@
           <p:cNvPr id="6" name="灯片编号占位符 5">
             <a:extLst>
               <a:ext uri="{FF2B5EF4-FFF2-40B4-BE49-F238E27FC236}">
-                <a16:creationId xmlns:a16="http://schemas.microsoft.com/office/drawing/2014/main" id="{0FBDF457-27AB-50FF-9819-04F39A364ACD}"/>
+                <a16:creationId xmlns:a16="http://schemas.microsoft.com/office/drawing/2014/main" id="{C5F347B5-8191-DB2F-62C9-0B4CF15D1703}"/>
               </a:ext>
             </a:extLst>
           </p:cNvPr>
@@ -712,7 +712,7 @@
           <a:bodyPr/>
           <a:lstStyle/>
           <a:p>
-            <a:fld id="{24E5E537-E835-42A9-ABB3-2CC209BF9393}" type="slidenum">
+            <a:fld id="{14C164E9-D320-4484-B20A-F366CAC63DB5}" type="slidenum">
               <a:rPr lang="zh-CN" altLang="en-US" smtClean="0"/>
               <a:t>‹#›</a:t>
             </a:fld>
@@ -723,7 +723,7 @@
     </p:spTree>
     <p:extLst>
       <p:ext uri="{BB962C8B-B14F-4D97-AF65-F5344CB8AC3E}">
-        <p14:creationId xmlns:p14="http://schemas.microsoft.com/office/powerpoint/2010/main" val="1915298024"/>
+        <p14:creationId xmlns:p14="http://schemas.microsoft.com/office/powerpoint/2010/main" val="2153756392"/>
       </p:ext>
     </p:extLst>
   </p:cSld>
@@ -755,7 +755,7 @@
           <p:cNvPr id="2" name="标题 1">
             <a:extLst>
               <a:ext uri="{FF2B5EF4-FFF2-40B4-BE49-F238E27FC236}">
-                <a16:creationId xmlns:a16="http://schemas.microsoft.com/office/drawing/2014/main" id="{79854368-A7D3-068C-DB9F-3DC8EEB4FFB3}"/>
+                <a16:creationId xmlns:a16="http://schemas.microsoft.com/office/drawing/2014/main" id="{5FF1F1E3-E428-DE41-9C95-10ED234E14BD}"/>
               </a:ext>
             </a:extLst>
           </p:cNvPr>
@@ -783,7 +783,7 @@
           <p:cNvPr id="3" name="内容占位符 2">
             <a:extLst>
               <a:ext uri="{FF2B5EF4-FFF2-40B4-BE49-F238E27FC236}">
-                <a16:creationId xmlns:a16="http://schemas.microsoft.com/office/drawing/2014/main" id="{C4B3D59D-2D29-4557-838F-54B9E4E724EC}"/>
+                <a16:creationId xmlns:a16="http://schemas.microsoft.com/office/drawing/2014/main" id="{1FB4301F-CF73-752F-6E13-2E394817ECA4}"/>
               </a:ext>
             </a:extLst>
           </p:cNvPr>
@@ -840,7 +840,7 @@
           <p:cNvPr id="4" name="日期占位符 3">
             <a:extLst>
               <a:ext uri="{FF2B5EF4-FFF2-40B4-BE49-F238E27FC236}">
-                <a16:creationId xmlns:a16="http://schemas.microsoft.com/office/drawing/2014/main" id="{D46533C7-4E95-2B7B-C067-0F093BFB1035}"/>
+                <a16:creationId xmlns:a16="http://schemas.microsoft.com/office/drawing/2014/main" id="{5ECEECC6-4D35-8CD2-70B0-76F0EA56659B}"/>
               </a:ext>
             </a:extLst>
           </p:cNvPr>
@@ -856,7 +856,7 @@
           <a:bodyPr/>
           <a:lstStyle/>
           <a:p>
-            <a:fld id="{4AFD84E5-5E66-42E3-BE7F-5CCB2A584A33}" type="datetimeFigureOut">
+            <a:fld id="{0C4D6742-1DA2-415B-ADC5-1118861B27E3}" type="datetimeFigureOut">
               <a:rPr lang="zh-CN" altLang="en-US" smtClean="0"/>
               <a:t>2024/3/10</a:t>
             </a:fld>
@@ -869,7 +869,7 @@
           <p:cNvPr id="5" name="页脚占位符 4">
             <a:extLst>
               <a:ext uri="{FF2B5EF4-FFF2-40B4-BE49-F238E27FC236}">
-                <a16:creationId xmlns:a16="http://schemas.microsoft.com/office/drawing/2014/main" id="{BFC11E4D-20C3-6CA6-DFC7-4B76971BAA13}"/>
+                <a16:creationId xmlns:a16="http://schemas.microsoft.com/office/drawing/2014/main" id="{D249579A-DB7F-F881-18ED-E674AC3E0CC7}"/>
               </a:ext>
             </a:extLst>
           </p:cNvPr>
@@ -894,7 +894,7 @@
           <p:cNvPr id="6" name="灯片编号占位符 5">
             <a:extLst>
               <a:ext uri="{FF2B5EF4-FFF2-40B4-BE49-F238E27FC236}">
-                <a16:creationId xmlns:a16="http://schemas.microsoft.com/office/drawing/2014/main" id="{CFDABC0F-EDA2-A2AE-4399-ACF35EE3C2D9}"/>
+                <a16:creationId xmlns:a16="http://schemas.microsoft.com/office/drawing/2014/main" id="{7275EDE8-2DD5-A5E1-38AC-0387B95B6D41}"/>
               </a:ext>
             </a:extLst>
           </p:cNvPr>
@@ -910,7 +910,7 @@
           <a:bodyPr/>
           <a:lstStyle/>
           <a:p>
-            <a:fld id="{24E5E537-E835-42A9-ABB3-2CC209BF9393}" type="slidenum">
+            <a:fld id="{14C164E9-D320-4484-B20A-F366CAC63DB5}" type="slidenum">
               <a:rPr lang="zh-CN" altLang="en-US" smtClean="0"/>
               <a:t>‹#›</a:t>
             </a:fld>
@@ -921,7 +921,7 @@
     </p:spTree>
     <p:extLst>
       <p:ext uri="{BB962C8B-B14F-4D97-AF65-F5344CB8AC3E}">
-        <p14:creationId xmlns:p14="http://schemas.microsoft.com/office/powerpoint/2010/main" val="607351842"/>
+        <p14:creationId xmlns:p14="http://schemas.microsoft.com/office/powerpoint/2010/main" val="4064298105"/>
       </p:ext>
     </p:extLst>
   </p:cSld>
@@ -953,7 +953,7 @@
           <p:cNvPr id="2" name="标题 1">
             <a:extLst>
               <a:ext uri="{FF2B5EF4-FFF2-40B4-BE49-F238E27FC236}">
-                <a16:creationId xmlns:a16="http://schemas.microsoft.com/office/drawing/2014/main" id="{B44A0C39-8E72-C537-451C-58AF464EDF5E}"/>
+                <a16:creationId xmlns:a16="http://schemas.microsoft.com/office/drawing/2014/main" id="{A297EF36-5128-029F-6DDC-F8F687538CF9}"/>
               </a:ext>
             </a:extLst>
           </p:cNvPr>
@@ -990,7 +990,7 @@
           <p:cNvPr id="3" name="文本占位符 2">
             <a:extLst>
               <a:ext uri="{FF2B5EF4-FFF2-40B4-BE49-F238E27FC236}">
-                <a16:creationId xmlns:a16="http://schemas.microsoft.com/office/drawing/2014/main" id="{D72894B4-687F-93E9-EF25-51387E994539}"/>
+                <a16:creationId xmlns:a16="http://schemas.microsoft.com/office/drawing/2014/main" id="{402D37CA-0BEA-4248-9266-2F6FE338E728}"/>
               </a:ext>
             </a:extLst>
           </p:cNvPr>
@@ -1115,7 +1115,7 @@
           <p:cNvPr id="4" name="日期占位符 3">
             <a:extLst>
               <a:ext uri="{FF2B5EF4-FFF2-40B4-BE49-F238E27FC236}">
-                <a16:creationId xmlns:a16="http://schemas.microsoft.com/office/drawing/2014/main" id="{83B55612-F725-636F-16AE-E941A8CC5B36}"/>
+                <a16:creationId xmlns:a16="http://schemas.microsoft.com/office/drawing/2014/main" id="{4F83B722-73A8-F431-4827-7D8C72D87F56}"/>
               </a:ext>
             </a:extLst>
           </p:cNvPr>
@@ -1131,7 +1131,7 @@
           <a:bodyPr/>
           <a:lstStyle/>
           <a:p>
-            <a:fld id="{4AFD84E5-5E66-42E3-BE7F-5CCB2A584A33}" type="datetimeFigureOut">
+            <a:fld id="{0C4D6742-1DA2-415B-ADC5-1118861B27E3}" type="datetimeFigureOut">
               <a:rPr lang="zh-CN" altLang="en-US" smtClean="0"/>
               <a:t>2024/3/10</a:t>
             </a:fld>
@@ -1144,7 +1144,7 @@
           <p:cNvPr id="5" name="页脚占位符 4">
             <a:extLst>
               <a:ext uri="{FF2B5EF4-FFF2-40B4-BE49-F238E27FC236}">
-                <a16:creationId xmlns:a16="http://schemas.microsoft.com/office/drawing/2014/main" id="{56DD9BF8-FCA6-61EE-8A5A-88E4B9A24EE8}"/>
+                <a16:creationId xmlns:a16="http://schemas.microsoft.com/office/drawing/2014/main" id="{E97E75B5-33B8-9F92-9ADB-AE2AC6BBC992}"/>
               </a:ext>
             </a:extLst>
           </p:cNvPr>
@@ -1169,7 +1169,7 @@
           <p:cNvPr id="6" name="灯片编号占位符 5">
             <a:extLst>
               <a:ext uri="{FF2B5EF4-FFF2-40B4-BE49-F238E27FC236}">
-                <a16:creationId xmlns:a16="http://schemas.microsoft.com/office/drawing/2014/main" id="{1E1B87DC-C190-EF34-3A64-EBD3FF2416CE}"/>
+                <a16:creationId xmlns:a16="http://schemas.microsoft.com/office/drawing/2014/main" id="{25097199-313E-7CCB-FCF6-C720BDE8C4AE}"/>
               </a:ext>
             </a:extLst>
           </p:cNvPr>
@@ -1185,7 +1185,7 @@
           <a:bodyPr/>
           <a:lstStyle/>
           <a:p>
-            <a:fld id="{24E5E537-E835-42A9-ABB3-2CC209BF9393}" type="slidenum">
+            <a:fld id="{14C164E9-D320-4484-B20A-F366CAC63DB5}" type="slidenum">
               <a:rPr lang="zh-CN" altLang="en-US" smtClean="0"/>
               <a:t>‹#›</a:t>
             </a:fld>
@@ -1196,7 +1196,7 @@
     </p:spTree>
     <p:extLst>
       <p:ext uri="{BB962C8B-B14F-4D97-AF65-F5344CB8AC3E}">
-        <p14:creationId xmlns:p14="http://schemas.microsoft.com/office/powerpoint/2010/main" val="887875652"/>
+        <p14:creationId xmlns:p14="http://schemas.microsoft.com/office/powerpoint/2010/main" val="1883432837"/>
       </p:ext>
     </p:extLst>
   </p:cSld>
@@ -1228,7 +1228,7 @@
           <p:cNvPr id="2" name="标题 1">
             <a:extLst>
               <a:ext uri="{FF2B5EF4-FFF2-40B4-BE49-F238E27FC236}">
-                <a16:creationId xmlns:a16="http://schemas.microsoft.com/office/drawing/2014/main" id="{361A809A-14FE-CA51-2D9F-766518DD12AD}"/>
+                <a16:creationId xmlns:a16="http://schemas.microsoft.com/office/drawing/2014/main" id="{DF73CFFB-76A5-9B6C-3BD3-EA207314625A}"/>
               </a:ext>
             </a:extLst>
           </p:cNvPr>
@@ -1256,7 +1256,7 @@
           <p:cNvPr id="3" name="内容占位符 2">
             <a:extLst>
               <a:ext uri="{FF2B5EF4-FFF2-40B4-BE49-F238E27FC236}">
-                <a16:creationId xmlns:a16="http://schemas.microsoft.com/office/drawing/2014/main" id="{64B3D74F-9736-6017-81A2-518F3313EA5C}"/>
+                <a16:creationId xmlns:a16="http://schemas.microsoft.com/office/drawing/2014/main" id="{3CBEB839-3705-CEB3-A900-966989BF1C77}"/>
               </a:ext>
             </a:extLst>
           </p:cNvPr>
@@ -1318,7 +1318,7 @@
           <p:cNvPr id="4" name="内容占位符 3">
             <a:extLst>
               <a:ext uri="{FF2B5EF4-FFF2-40B4-BE49-F238E27FC236}">
-                <a16:creationId xmlns:a16="http://schemas.microsoft.com/office/drawing/2014/main" id="{528A81F9-4388-0FA1-7EDA-6F8B1910C31D}"/>
+                <a16:creationId xmlns:a16="http://schemas.microsoft.com/office/drawing/2014/main" id="{D1A889D0-5CFF-CA4A-9828-2B5E730163A2}"/>
               </a:ext>
             </a:extLst>
           </p:cNvPr>
@@ -1380,7 +1380,7 @@
           <p:cNvPr id="5" name="日期占位符 4">
             <a:extLst>
               <a:ext uri="{FF2B5EF4-FFF2-40B4-BE49-F238E27FC236}">
-                <a16:creationId xmlns:a16="http://schemas.microsoft.com/office/drawing/2014/main" id="{8D05094F-BC1D-7D36-4C03-2C3EAED7854E}"/>
+                <a16:creationId xmlns:a16="http://schemas.microsoft.com/office/drawing/2014/main" id="{8301011C-3F90-5A00-884C-8C5A5AE5316C}"/>
               </a:ext>
             </a:extLst>
           </p:cNvPr>
@@ -1396,7 +1396,7 @@
           <a:bodyPr/>
           <a:lstStyle/>
           <a:p>
-            <a:fld id="{4AFD84E5-5E66-42E3-BE7F-5CCB2A584A33}" type="datetimeFigureOut">
+            <a:fld id="{0C4D6742-1DA2-415B-ADC5-1118861B27E3}" type="datetimeFigureOut">
               <a:rPr lang="zh-CN" altLang="en-US" smtClean="0"/>
               <a:t>2024/3/10</a:t>
             </a:fld>
@@ -1409,7 +1409,7 @@
           <p:cNvPr id="6" name="页脚占位符 5">
             <a:extLst>
               <a:ext uri="{FF2B5EF4-FFF2-40B4-BE49-F238E27FC236}">
-                <a16:creationId xmlns:a16="http://schemas.microsoft.com/office/drawing/2014/main" id="{D9AE63C8-BF8D-B9AA-8E97-3D0C966C9775}"/>
+                <a16:creationId xmlns:a16="http://schemas.microsoft.com/office/drawing/2014/main" id="{E5880C77-601F-F2A4-B80F-E89DBD03B813}"/>
               </a:ext>
             </a:extLst>
           </p:cNvPr>
@@ -1434,7 +1434,7 @@
           <p:cNvPr id="7" name="灯片编号占位符 6">
             <a:extLst>
               <a:ext uri="{FF2B5EF4-FFF2-40B4-BE49-F238E27FC236}">
-                <a16:creationId xmlns:a16="http://schemas.microsoft.com/office/drawing/2014/main" id="{A2B06AB5-B47F-0BC1-819C-B7F7ABB9D2CF}"/>
+                <a16:creationId xmlns:a16="http://schemas.microsoft.com/office/drawing/2014/main" id="{AC18C198-42A8-35DC-1CFB-53E6C1E0E412}"/>
               </a:ext>
             </a:extLst>
           </p:cNvPr>
@@ -1450,7 +1450,7 @@
           <a:bodyPr/>
           <a:lstStyle/>
           <a:p>
-            <a:fld id="{24E5E537-E835-42A9-ABB3-2CC209BF9393}" type="slidenum">
+            <a:fld id="{14C164E9-D320-4484-B20A-F366CAC63DB5}" type="slidenum">
               <a:rPr lang="zh-CN" altLang="en-US" smtClean="0"/>
               <a:t>‹#›</a:t>
             </a:fld>
@@ -1461,7 +1461,7 @@
     </p:spTree>
     <p:extLst>
       <p:ext uri="{BB962C8B-B14F-4D97-AF65-F5344CB8AC3E}">
-        <p14:creationId xmlns:p14="http://schemas.microsoft.com/office/powerpoint/2010/main" val="2946160941"/>
+        <p14:creationId xmlns:p14="http://schemas.microsoft.com/office/powerpoint/2010/main" val="863311452"/>
       </p:ext>
     </p:extLst>
   </p:cSld>
@@ -1493,7 +1493,7 @@
           <p:cNvPr id="2" name="标题 1">
             <a:extLst>
               <a:ext uri="{FF2B5EF4-FFF2-40B4-BE49-F238E27FC236}">
-                <a16:creationId xmlns:a16="http://schemas.microsoft.com/office/drawing/2014/main" id="{E7D7DE7A-B647-7D01-0479-79667BC2601B}"/>
+                <a16:creationId xmlns:a16="http://schemas.microsoft.com/office/drawing/2014/main" id="{CE62A8E4-B91A-DCF3-2B07-CEE457CACEF7}"/>
               </a:ext>
             </a:extLst>
           </p:cNvPr>
@@ -1526,7 +1526,7 @@
           <p:cNvPr id="3" name="文本占位符 2">
             <a:extLst>
               <a:ext uri="{FF2B5EF4-FFF2-40B4-BE49-F238E27FC236}">
-                <a16:creationId xmlns:a16="http://schemas.microsoft.com/office/drawing/2014/main" id="{EFDBC91F-94CB-1E09-319E-58B88F1800A3}"/>
+                <a16:creationId xmlns:a16="http://schemas.microsoft.com/office/drawing/2014/main" id="{4E0A107F-47EF-FC89-9D5A-83FA14B29737}"/>
               </a:ext>
             </a:extLst>
           </p:cNvPr>
@@ -1597,7 +1597,7 @@
           <p:cNvPr id="4" name="内容占位符 3">
             <a:extLst>
               <a:ext uri="{FF2B5EF4-FFF2-40B4-BE49-F238E27FC236}">
-                <a16:creationId xmlns:a16="http://schemas.microsoft.com/office/drawing/2014/main" id="{ED1DD02F-A6FB-E957-230B-147582BF692A}"/>
+                <a16:creationId xmlns:a16="http://schemas.microsoft.com/office/drawing/2014/main" id="{769826BC-BAD6-5A32-03C5-F6F9959B6A84}"/>
               </a:ext>
             </a:extLst>
           </p:cNvPr>
@@ -1659,7 +1659,7 @@
           <p:cNvPr id="5" name="文本占位符 4">
             <a:extLst>
               <a:ext uri="{FF2B5EF4-FFF2-40B4-BE49-F238E27FC236}">
-                <a16:creationId xmlns:a16="http://schemas.microsoft.com/office/drawing/2014/main" id="{15AA684F-573F-BCDB-3FDF-8755D66A09BB}"/>
+                <a16:creationId xmlns:a16="http://schemas.microsoft.com/office/drawing/2014/main" id="{3E624D93-7551-525B-2A3C-E190382A94F5}"/>
               </a:ext>
             </a:extLst>
           </p:cNvPr>
@@ -1730,7 +1730,7 @@
           <p:cNvPr id="6" name="内容占位符 5">
             <a:extLst>
               <a:ext uri="{FF2B5EF4-FFF2-40B4-BE49-F238E27FC236}">
-                <a16:creationId xmlns:a16="http://schemas.microsoft.com/office/drawing/2014/main" id="{410D5FD1-E285-BAB2-0CDE-5A58FF16B4FE}"/>
+                <a16:creationId xmlns:a16="http://schemas.microsoft.com/office/drawing/2014/main" id="{6D7B1484-E728-141F-DFDC-2F7CA5F963D2}"/>
               </a:ext>
             </a:extLst>
           </p:cNvPr>
@@ -1792,7 +1792,7 @@
           <p:cNvPr id="7" name="日期占位符 6">
             <a:extLst>
               <a:ext uri="{FF2B5EF4-FFF2-40B4-BE49-F238E27FC236}">
-                <a16:creationId xmlns:a16="http://schemas.microsoft.com/office/drawing/2014/main" id="{EE212259-87AB-33BE-F22B-1D0546F88953}"/>
+                <a16:creationId xmlns:a16="http://schemas.microsoft.com/office/drawing/2014/main" id="{4BF02084-C258-1E7E-CCB4-E9D0C5AC7A49}"/>
               </a:ext>
             </a:extLst>
           </p:cNvPr>
@@ -1808,7 +1808,7 @@
           <a:bodyPr/>
           <a:lstStyle/>
           <a:p>
-            <a:fld id="{4AFD84E5-5E66-42E3-BE7F-5CCB2A584A33}" type="datetimeFigureOut">
+            <a:fld id="{0C4D6742-1DA2-415B-ADC5-1118861B27E3}" type="datetimeFigureOut">
               <a:rPr lang="zh-CN" altLang="en-US" smtClean="0"/>
               <a:t>2024/3/10</a:t>
             </a:fld>
@@ -1821,7 +1821,7 @@
           <p:cNvPr id="8" name="页脚占位符 7">
             <a:extLst>
               <a:ext uri="{FF2B5EF4-FFF2-40B4-BE49-F238E27FC236}">
-                <a16:creationId xmlns:a16="http://schemas.microsoft.com/office/drawing/2014/main" id="{5B49C368-D5AB-ADB9-E5D4-306CEBD9F71F}"/>
+                <a16:creationId xmlns:a16="http://schemas.microsoft.com/office/drawing/2014/main" id="{9AA03126-84B4-8AED-CDBE-0E57A35BFADE}"/>
               </a:ext>
             </a:extLst>
           </p:cNvPr>
@@ -1846,7 +1846,7 @@
           <p:cNvPr id="9" name="灯片编号占位符 8">
             <a:extLst>
               <a:ext uri="{FF2B5EF4-FFF2-40B4-BE49-F238E27FC236}">
-                <a16:creationId xmlns:a16="http://schemas.microsoft.com/office/drawing/2014/main" id="{7DD283F0-E32A-C9E8-5831-8CB120DBEA01}"/>
+                <a16:creationId xmlns:a16="http://schemas.microsoft.com/office/drawing/2014/main" id="{73F678DD-1EB5-0103-F7C8-70BA1598D99E}"/>
               </a:ext>
             </a:extLst>
           </p:cNvPr>
@@ -1862,7 +1862,7 @@
           <a:bodyPr/>
           <a:lstStyle/>
           <a:p>
-            <a:fld id="{24E5E537-E835-42A9-ABB3-2CC209BF9393}" type="slidenum">
+            <a:fld id="{14C164E9-D320-4484-B20A-F366CAC63DB5}" type="slidenum">
               <a:rPr lang="zh-CN" altLang="en-US" smtClean="0"/>
               <a:t>‹#›</a:t>
             </a:fld>
@@ -1873,7 +1873,7 @@
     </p:spTree>
     <p:extLst>
       <p:ext uri="{BB962C8B-B14F-4D97-AF65-F5344CB8AC3E}">
-        <p14:creationId xmlns:p14="http://schemas.microsoft.com/office/powerpoint/2010/main" val="157163054"/>
+        <p14:creationId xmlns:p14="http://schemas.microsoft.com/office/powerpoint/2010/main" val="1328358812"/>
       </p:ext>
     </p:extLst>
   </p:cSld>
@@ -1905,7 +1905,7 @@
           <p:cNvPr id="2" name="标题 1">
             <a:extLst>
               <a:ext uri="{FF2B5EF4-FFF2-40B4-BE49-F238E27FC236}">
-                <a16:creationId xmlns:a16="http://schemas.microsoft.com/office/drawing/2014/main" id="{C6D3F5F2-A26F-422C-4E52-CAFE1C01408E}"/>
+                <a16:creationId xmlns:a16="http://schemas.microsoft.com/office/drawing/2014/main" id="{1564DA6E-2443-434E-3383-2C983B52DFEC}"/>
               </a:ext>
             </a:extLst>
           </p:cNvPr>
@@ -1933,7 +1933,7 @@
           <p:cNvPr id="3" name="日期占位符 2">
             <a:extLst>
               <a:ext uri="{FF2B5EF4-FFF2-40B4-BE49-F238E27FC236}">
-                <a16:creationId xmlns:a16="http://schemas.microsoft.com/office/drawing/2014/main" id="{F9CE768A-5832-D1F0-F273-738F80CB90A4}"/>
+                <a16:creationId xmlns:a16="http://schemas.microsoft.com/office/drawing/2014/main" id="{F10825FD-2049-EB33-70E6-7C90ECD2A383}"/>
               </a:ext>
             </a:extLst>
           </p:cNvPr>
@@ -1949,7 +1949,7 @@
           <a:bodyPr/>
           <a:lstStyle/>
           <a:p>
-            <a:fld id="{4AFD84E5-5E66-42E3-BE7F-5CCB2A584A33}" type="datetimeFigureOut">
+            <a:fld id="{0C4D6742-1DA2-415B-ADC5-1118861B27E3}" type="datetimeFigureOut">
               <a:rPr lang="zh-CN" altLang="en-US" smtClean="0"/>
               <a:t>2024/3/10</a:t>
             </a:fld>
@@ -1962,7 +1962,7 @@
           <p:cNvPr id="4" name="页脚占位符 3">
             <a:extLst>
               <a:ext uri="{FF2B5EF4-FFF2-40B4-BE49-F238E27FC236}">
-                <a16:creationId xmlns:a16="http://schemas.microsoft.com/office/drawing/2014/main" id="{38BDB9E1-A813-159D-5CAE-5E0C47D00B1F}"/>
+                <a16:creationId xmlns:a16="http://schemas.microsoft.com/office/drawing/2014/main" id="{4A32D25C-1B58-4AA1-B1A0-7868C9573994}"/>
               </a:ext>
             </a:extLst>
           </p:cNvPr>
@@ -1987,7 +1987,7 @@
           <p:cNvPr id="5" name="灯片编号占位符 4">
             <a:extLst>
               <a:ext uri="{FF2B5EF4-FFF2-40B4-BE49-F238E27FC236}">
-                <a16:creationId xmlns:a16="http://schemas.microsoft.com/office/drawing/2014/main" id="{157B1247-7533-EBD1-F716-3600577263D4}"/>
+                <a16:creationId xmlns:a16="http://schemas.microsoft.com/office/drawing/2014/main" id="{C5BB76D4-B100-57E9-835F-0738AB487439}"/>
               </a:ext>
             </a:extLst>
           </p:cNvPr>
@@ -2003,7 +2003,7 @@
           <a:bodyPr/>
           <a:lstStyle/>
           <a:p>
-            <a:fld id="{24E5E537-E835-42A9-ABB3-2CC209BF9393}" type="slidenum">
+            <a:fld id="{14C164E9-D320-4484-B20A-F366CAC63DB5}" type="slidenum">
               <a:rPr lang="zh-CN" altLang="en-US" smtClean="0"/>
               <a:t>‹#›</a:t>
             </a:fld>
@@ -2014,7 +2014,7 @@
     </p:spTree>
     <p:extLst>
       <p:ext uri="{BB962C8B-B14F-4D97-AF65-F5344CB8AC3E}">
-        <p14:creationId xmlns:p14="http://schemas.microsoft.com/office/powerpoint/2010/main" val="23975325"/>
+        <p14:creationId xmlns:p14="http://schemas.microsoft.com/office/powerpoint/2010/main" val="924982490"/>
       </p:ext>
     </p:extLst>
   </p:cSld>
@@ -2046,7 +2046,7 @@
           <p:cNvPr id="2" name="日期占位符 1">
             <a:extLst>
               <a:ext uri="{FF2B5EF4-FFF2-40B4-BE49-F238E27FC236}">
-                <a16:creationId xmlns:a16="http://schemas.microsoft.com/office/drawing/2014/main" id="{1B467965-10D2-EF7E-348B-FF328729A43D}"/>
+                <a16:creationId xmlns:a16="http://schemas.microsoft.com/office/drawing/2014/main" id="{F2FC04C9-46E6-52F7-2814-5CCECCBF97F0}"/>
               </a:ext>
             </a:extLst>
           </p:cNvPr>
@@ -2062,7 +2062,7 @@
           <a:bodyPr/>
           <a:lstStyle/>
           <a:p>
-            <a:fld id="{4AFD84E5-5E66-42E3-BE7F-5CCB2A584A33}" type="datetimeFigureOut">
+            <a:fld id="{0C4D6742-1DA2-415B-ADC5-1118861B27E3}" type="datetimeFigureOut">
               <a:rPr lang="zh-CN" altLang="en-US" smtClean="0"/>
               <a:t>2024/3/10</a:t>
             </a:fld>
@@ -2075,7 +2075,7 @@
           <p:cNvPr id="3" name="页脚占位符 2">
             <a:extLst>
               <a:ext uri="{FF2B5EF4-FFF2-40B4-BE49-F238E27FC236}">
-                <a16:creationId xmlns:a16="http://schemas.microsoft.com/office/drawing/2014/main" id="{A88C39C9-BC28-FD01-6A29-87660FB3EECE}"/>
+                <a16:creationId xmlns:a16="http://schemas.microsoft.com/office/drawing/2014/main" id="{86A9E4E6-6016-D717-2D14-2076ED557E47}"/>
               </a:ext>
             </a:extLst>
           </p:cNvPr>
@@ -2100,7 +2100,7 @@
           <p:cNvPr id="4" name="灯片编号占位符 3">
             <a:extLst>
               <a:ext uri="{FF2B5EF4-FFF2-40B4-BE49-F238E27FC236}">
-                <a16:creationId xmlns:a16="http://schemas.microsoft.com/office/drawing/2014/main" id="{FF902446-604A-A70C-270C-551A00A39388}"/>
+                <a16:creationId xmlns:a16="http://schemas.microsoft.com/office/drawing/2014/main" id="{69558F9B-312E-FFCF-3832-7D301E16D0BF}"/>
               </a:ext>
             </a:extLst>
           </p:cNvPr>
@@ -2116,7 +2116,7 @@
           <a:bodyPr/>
           <a:lstStyle/>
           <a:p>
-            <a:fld id="{24E5E537-E835-42A9-ABB3-2CC209BF9393}" type="slidenum">
+            <a:fld id="{14C164E9-D320-4484-B20A-F366CAC63DB5}" type="slidenum">
               <a:rPr lang="zh-CN" altLang="en-US" smtClean="0"/>
               <a:t>‹#›</a:t>
             </a:fld>
@@ -2127,7 +2127,7 @@
     </p:spTree>
     <p:extLst>
       <p:ext uri="{BB962C8B-B14F-4D97-AF65-F5344CB8AC3E}">
-        <p14:creationId xmlns:p14="http://schemas.microsoft.com/office/powerpoint/2010/main" val="3157387847"/>
+        <p14:creationId xmlns:p14="http://schemas.microsoft.com/office/powerpoint/2010/main" val="1904051681"/>
       </p:ext>
     </p:extLst>
   </p:cSld>
@@ -2159,7 +2159,7 @@
           <p:cNvPr id="2" name="标题 1">
             <a:extLst>
               <a:ext uri="{FF2B5EF4-FFF2-40B4-BE49-F238E27FC236}">
-                <a16:creationId xmlns:a16="http://schemas.microsoft.com/office/drawing/2014/main" id="{936F66FD-1818-A57C-6E89-F369442530F4}"/>
+                <a16:creationId xmlns:a16="http://schemas.microsoft.com/office/drawing/2014/main" id="{D67F3E29-98ED-CFF5-70B2-86705A0E1A55}"/>
               </a:ext>
             </a:extLst>
           </p:cNvPr>
@@ -2196,7 +2196,7 @@
           <p:cNvPr id="3" name="内容占位符 2">
             <a:extLst>
               <a:ext uri="{FF2B5EF4-FFF2-40B4-BE49-F238E27FC236}">
-                <a16:creationId xmlns:a16="http://schemas.microsoft.com/office/drawing/2014/main" id="{6CBB78AE-2CC9-4169-7A55-288E6C6FFA38}"/>
+                <a16:creationId xmlns:a16="http://schemas.microsoft.com/office/drawing/2014/main" id="{995372E0-17D0-D435-50EB-A8F02C4B0AC6}"/>
               </a:ext>
             </a:extLst>
           </p:cNvPr>
@@ -2286,7 +2286,7 @@
           <p:cNvPr id="4" name="文本占位符 3">
             <a:extLst>
               <a:ext uri="{FF2B5EF4-FFF2-40B4-BE49-F238E27FC236}">
-                <a16:creationId xmlns:a16="http://schemas.microsoft.com/office/drawing/2014/main" id="{164CB9A6-B37C-C077-CF60-913634B41437}"/>
+                <a16:creationId xmlns:a16="http://schemas.microsoft.com/office/drawing/2014/main" id="{C3CBC233-D254-59EC-9860-3048B11FF7A1}"/>
               </a:ext>
             </a:extLst>
           </p:cNvPr>
@@ -2357,7 +2357,7 @@
           <p:cNvPr id="5" name="日期占位符 4">
             <a:extLst>
               <a:ext uri="{FF2B5EF4-FFF2-40B4-BE49-F238E27FC236}">
-                <a16:creationId xmlns:a16="http://schemas.microsoft.com/office/drawing/2014/main" id="{06E3462F-A90C-C715-3B39-5363A420D950}"/>
+                <a16:creationId xmlns:a16="http://schemas.microsoft.com/office/drawing/2014/main" id="{B931B177-358F-4183-1F7E-9DFED900ABBF}"/>
               </a:ext>
             </a:extLst>
           </p:cNvPr>
@@ -2373,7 +2373,7 @@
           <a:bodyPr/>
           <a:lstStyle/>
           <a:p>
-            <a:fld id="{4AFD84E5-5E66-42E3-BE7F-5CCB2A584A33}" type="datetimeFigureOut">
+            <a:fld id="{0C4D6742-1DA2-415B-ADC5-1118861B27E3}" type="datetimeFigureOut">
               <a:rPr lang="zh-CN" altLang="en-US" smtClean="0"/>
               <a:t>2024/3/10</a:t>
             </a:fld>
@@ -2386,7 +2386,7 @@
           <p:cNvPr id="6" name="页脚占位符 5">
             <a:extLst>
               <a:ext uri="{FF2B5EF4-FFF2-40B4-BE49-F238E27FC236}">
-                <a16:creationId xmlns:a16="http://schemas.microsoft.com/office/drawing/2014/main" id="{02FAF0C1-C413-2827-61D7-F9E38D7D174C}"/>
+                <a16:creationId xmlns:a16="http://schemas.microsoft.com/office/drawing/2014/main" id="{8CFD768F-6675-A2AE-C114-1FC27E9927E9}"/>
               </a:ext>
             </a:extLst>
           </p:cNvPr>
@@ -2411,7 +2411,7 @@
           <p:cNvPr id="7" name="灯片编号占位符 6">
             <a:extLst>
               <a:ext uri="{FF2B5EF4-FFF2-40B4-BE49-F238E27FC236}">
-                <a16:creationId xmlns:a16="http://schemas.microsoft.com/office/drawing/2014/main" id="{8D59592C-ECA0-2FD9-AE36-7094A4291307}"/>
+                <a16:creationId xmlns:a16="http://schemas.microsoft.com/office/drawing/2014/main" id="{2C4D339B-898E-4591-639F-55C901874752}"/>
               </a:ext>
             </a:extLst>
           </p:cNvPr>
@@ -2427,7 +2427,7 @@
           <a:bodyPr/>
           <a:lstStyle/>
           <a:p>
-            <a:fld id="{24E5E537-E835-42A9-ABB3-2CC209BF9393}" type="slidenum">
+            <a:fld id="{14C164E9-D320-4484-B20A-F366CAC63DB5}" type="slidenum">
               <a:rPr lang="zh-CN" altLang="en-US" smtClean="0"/>
               <a:t>‹#›</a:t>
             </a:fld>
@@ -2438,7 +2438,7 @@
     </p:spTree>
     <p:extLst>
       <p:ext uri="{BB962C8B-B14F-4D97-AF65-F5344CB8AC3E}">
-        <p14:creationId xmlns:p14="http://schemas.microsoft.com/office/powerpoint/2010/main" val="677748200"/>
+        <p14:creationId xmlns:p14="http://schemas.microsoft.com/office/powerpoint/2010/main" val="12250687"/>
       </p:ext>
     </p:extLst>
   </p:cSld>
@@ -2470,7 +2470,7 @@
           <p:cNvPr id="2" name="标题 1">
             <a:extLst>
               <a:ext uri="{FF2B5EF4-FFF2-40B4-BE49-F238E27FC236}">
-                <a16:creationId xmlns:a16="http://schemas.microsoft.com/office/drawing/2014/main" id="{07FA45F8-ACDA-14D5-3422-856F3CE2B88C}"/>
+                <a16:creationId xmlns:a16="http://schemas.microsoft.com/office/drawing/2014/main" id="{08C5C05B-F71B-DF0A-55AA-715696D2E406}"/>
               </a:ext>
             </a:extLst>
           </p:cNvPr>
@@ -2507,7 +2507,7 @@
           <p:cNvPr id="3" name="图片占位符 2">
             <a:extLst>
               <a:ext uri="{FF2B5EF4-FFF2-40B4-BE49-F238E27FC236}">
-                <a16:creationId xmlns:a16="http://schemas.microsoft.com/office/drawing/2014/main" id="{23F5C88C-5CDA-EAEE-0092-6E228668B71B}"/>
+                <a16:creationId xmlns:a16="http://schemas.microsoft.com/office/drawing/2014/main" id="{56658D18-07B2-697E-C75C-960FB90CEEDA}"/>
               </a:ext>
             </a:extLst>
           </p:cNvPr>
@@ -2574,7 +2574,7 @@
           <p:cNvPr id="4" name="文本占位符 3">
             <a:extLst>
               <a:ext uri="{FF2B5EF4-FFF2-40B4-BE49-F238E27FC236}">
-                <a16:creationId xmlns:a16="http://schemas.microsoft.com/office/drawing/2014/main" id="{BA0189DC-0627-42E7-B977-09E919296B42}"/>
+                <a16:creationId xmlns:a16="http://schemas.microsoft.com/office/drawing/2014/main" id="{AD80E520-F7A7-6154-325A-B7D541A2B366}"/>
               </a:ext>
             </a:extLst>
           </p:cNvPr>
@@ -2645,7 +2645,7 @@
           <p:cNvPr id="5" name="日期占位符 4">
             <a:extLst>
               <a:ext uri="{FF2B5EF4-FFF2-40B4-BE49-F238E27FC236}">
-                <a16:creationId xmlns:a16="http://schemas.microsoft.com/office/drawing/2014/main" id="{FB9BC709-AAA7-10BF-74BA-72210078843F}"/>
+                <a16:creationId xmlns:a16="http://schemas.microsoft.com/office/drawing/2014/main" id="{7AED145E-682B-A6CA-767E-6930E2AD2329}"/>
               </a:ext>
             </a:extLst>
           </p:cNvPr>
@@ -2661,7 +2661,7 @@
           <a:bodyPr/>
           <a:lstStyle/>
           <a:p>
-            <a:fld id="{4AFD84E5-5E66-42E3-BE7F-5CCB2A584A33}" type="datetimeFigureOut">
+            <a:fld id="{0C4D6742-1DA2-415B-ADC5-1118861B27E3}" type="datetimeFigureOut">
               <a:rPr lang="zh-CN" altLang="en-US" smtClean="0"/>
               <a:t>2024/3/10</a:t>
             </a:fld>
@@ -2674,7 +2674,7 @@
           <p:cNvPr id="6" name="页脚占位符 5">
             <a:extLst>
               <a:ext uri="{FF2B5EF4-FFF2-40B4-BE49-F238E27FC236}">
-                <a16:creationId xmlns:a16="http://schemas.microsoft.com/office/drawing/2014/main" id="{F246F58A-24CC-242D-279F-8EF9729D912B}"/>
+                <a16:creationId xmlns:a16="http://schemas.microsoft.com/office/drawing/2014/main" id="{F2EC280F-E9F4-8093-ADC8-E562B5F46984}"/>
               </a:ext>
             </a:extLst>
           </p:cNvPr>
@@ -2699,7 +2699,7 @@
           <p:cNvPr id="7" name="灯片编号占位符 6">
             <a:extLst>
               <a:ext uri="{FF2B5EF4-FFF2-40B4-BE49-F238E27FC236}">
-                <a16:creationId xmlns:a16="http://schemas.microsoft.com/office/drawing/2014/main" id="{2629812F-D755-F614-10FF-A5D9C1B1DD63}"/>
+                <a16:creationId xmlns:a16="http://schemas.microsoft.com/office/drawing/2014/main" id="{AEB8110C-DBD0-31E8-F9EA-0D526305382C}"/>
               </a:ext>
             </a:extLst>
           </p:cNvPr>
@@ -2715,7 +2715,7 @@
           <a:bodyPr/>
           <a:lstStyle/>
           <a:p>
-            <a:fld id="{24E5E537-E835-42A9-ABB3-2CC209BF9393}" type="slidenum">
+            <a:fld id="{14C164E9-D320-4484-B20A-F366CAC63DB5}" type="slidenum">
               <a:rPr lang="zh-CN" altLang="en-US" smtClean="0"/>
               <a:t>‹#›</a:t>
             </a:fld>
@@ -2726,7 +2726,7 @@
     </p:spTree>
     <p:extLst>
       <p:ext uri="{BB962C8B-B14F-4D97-AF65-F5344CB8AC3E}">
-        <p14:creationId xmlns:p14="http://schemas.microsoft.com/office/powerpoint/2010/main" val="3381416241"/>
+        <p14:creationId xmlns:p14="http://schemas.microsoft.com/office/powerpoint/2010/main" val="3567155415"/>
       </p:ext>
     </p:extLst>
   </p:cSld>
@@ -2763,7 +2763,7 @@
           <p:cNvPr id="2" name="标题占位符 1">
             <a:extLst>
               <a:ext uri="{FF2B5EF4-FFF2-40B4-BE49-F238E27FC236}">
-                <a16:creationId xmlns:a16="http://schemas.microsoft.com/office/drawing/2014/main" id="{6A5163DD-8DDC-0930-8BC1-D1074BAD0A5D}"/>
+                <a16:creationId xmlns:a16="http://schemas.microsoft.com/office/drawing/2014/main" id="{CA1C8599-6CB1-89BC-B388-689DD704DAFA}"/>
               </a:ext>
             </a:extLst>
           </p:cNvPr>
@@ -2801,7 +2801,7 @@
           <p:cNvPr id="3" name="文本占位符 2">
             <a:extLst>
               <a:ext uri="{FF2B5EF4-FFF2-40B4-BE49-F238E27FC236}">
-                <a16:creationId xmlns:a16="http://schemas.microsoft.com/office/drawing/2014/main" id="{F2B5CD76-FBB8-E915-1885-31672BC2F910}"/>
+                <a16:creationId xmlns:a16="http://schemas.microsoft.com/office/drawing/2014/main" id="{5F153CC4-E133-D5D4-89B4-134C4AA900DB}"/>
               </a:ext>
             </a:extLst>
           </p:cNvPr>
@@ -2868,7 +2868,7 @@
           <p:cNvPr id="4" name="日期占位符 3">
             <a:extLst>
               <a:ext uri="{FF2B5EF4-FFF2-40B4-BE49-F238E27FC236}">
-                <a16:creationId xmlns:a16="http://schemas.microsoft.com/office/drawing/2014/main" id="{6E764EC7-EDFB-4922-3A01-B931F404DCA1}"/>
+                <a16:creationId xmlns:a16="http://schemas.microsoft.com/office/drawing/2014/main" id="{E358141D-82D9-7AFD-2D92-D30C65ACCBB9}"/>
               </a:ext>
             </a:extLst>
           </p:cNvPr>
@@ -2902,7 +2902,7 @@
             </a:lvl1pPr>
           </a:lstStyle>
           <a:p>
-            <a:fld id="{4AFD84E5-5E66-42E3-BE7F-5CCB2A584A33}" type="datetimeFigureOut">
+            <a:fld id="{0C4D6742-1DA2-415B-ADC5-1118861B27E3}" type="datetimeFigureOut">
               <a:rPr lang="zh-CN" altLang="en-US" smtClean="0"/>
               <a:t>2024/3/10</a:t>
             </a:fld>
@@ -2915,7 +2915,7 @@
           <p:cNvPr id="5" name="页脚占位符 4">
             <a:extLst>
               <a:ext uri="{FF2B5EF4-FFF2-40B4-BE49-F238E27FC236}">
-                <a16:creationId xmlns:a16="http://schemas.microsoft.com/office/drawing/2014/main" id="{20031C17-FE7F-3AC3-C5CA-5E65578C24D4}"/>
+                <a16:creationId xmlns:a16="http://schemas.microsoft.com/office/drawing/2014/main" id="{D4E3BCFD-0D89-5B87-591A-5F976063AC37}"/>
               </a:ext>
             </a:extLst>
           </p:cNvPr>
@@ -2958,7 +2958,7 @@
           <p:cNvPr id="6" name="灯片编号占位符 5">
             <a:extLst>
               <a:ext uri="{FF2B5EF4-FFF2-40B4-BE49-F238E27FC236}">
-                <a16:creationId xmlns:a16="http://schemas.microsoft.com/office/drawing/2014/main" id="{45998C36-2D26-7ECD-6786-DBD990E3DC95}"/>
+                <a16:creationId xmlns:a16="http://schemas.microsoft.com/office/drawing/2014/main" id="{14FFBF74-A842-BCFB-0A67-121609DBE056}"/>
               </a:ext>
             </a:extLst>
           </p:cNvPr>
@@ -2992,7 +2992,7 @@
             </a:lvl1pPr>
           </a:lstStyle>
           <a:p>
-            <a:fld id="{24E5E537-E835-42A9-ABB3-2CC209BF9393}" type="slidenum">
+            <a:fld id="{14C164E9-D320-4484-B20A-F366CAC63DB5}" type="slidenum">
               <a:rPr lang="zh-CN" altLang="en-US" smtClean="0"/>
               <a:t>‹#›</a:t>
             </a:fld>
@@ -3003,7 +3003,7 @@
     </p:spTree>
     <p:extLst>
       <p:ext uri="{BB962C8B-B14F-4D97-AF65-F5344CB8AC3E}">
-        <p14:creationId xmlns:p14="http://schemas.microsoft.com/office/powerpoint/2010/main" val="2383813732"/>
+        <p14:creationId xmlns:p14="http://schemas.microsoft.com/office/powerpoint/2010/main" val="827678005"/>
       </p:ext>
     </p:extLst>
   </p:cSld>
@@ -3323,7 +3323,7 @@
       </p:grpSpPr>
       <p:pic>
         <p:nvPicPr>
-          <p:cNvPr id="286722" name="Picture 2" descr="279"/>
+          <p:cNvPr id="287746" name="Picture 2" descr="280"/>
           <p:cNvPicPr>
             <a:picLocks noChangeAspect="1" noChangeArrowheads="1"/>
           </p:cNvPicPr>
@@ -3344,8 +3344,8 @@
         </p:blipFill>
         <p:spPr bwMode="auto">
           <a:xfrm>
-            <a:off x="1524000" y="1"/>
-            <a:ext cx="9144000" cy="5661025"/>
+            <a:off x="1524000" y="0"/>
+            <a:ext cx="9144000" cy="6858000"/>
           </a:xfrm>
           <a:prstGeom prst="rect">
             <a:avLst/>
